--- a/images/Presentation1.pptx
+++ b/images/Presentation1.pptx
@@ -2,19 +2,20 @@
 <file path=ppt/presentation.xml><?xml version="1.0" encoding="utf-8"?>
 <p:presentation xmlns:a="http://schemas.openxmlformats.org/drawingml/2006/main" xmlns:r="http://schemas.openxmlformats.org/officeDocument/2006/relationships" xmlns:p="http://schemas.openxmlformats.org/presentationml/2006/main" saveSubsetFonts="1">
   <p:sldMasterIdLst>
-    <p:sldMasterId id="2147483648" r:id="rId1"/>
+    <p:sldMasterId id="2147483660" r:id="rId1"/>
   </p:sldMasterIdLst>
   <p:sldIdLst>
     <p:sldId id="257" r:id="rId2"/>
+    <p:sldId id="258" r:id="rId3"/>
   </p:sldIdLst>
-  <p:sldSz cx="12192000" cy="6858000"/>
+  <p:sldSz cx="7315200" cy="4572000"/>
   <p:notesSz cx="6858000" cy="9144000"/>
   <p:defaultTextStyle>
     <a:defPPr>
       <a:defRPr lang="en-US"/>
     </a:defPPr>
-    <a:lvl1pPr marL="0" algn="l" defTabSz="914400" rtl="0" eaLnBrk="1" latinLnBrk="0" hangingPunct="1">
-      <a:defRPr sz="1800" kern="1200">
+    <a:lvl1pPr marL="0" algn="l" defTabSz="570586" rtl="0" eaLnBrk="1" latinLnBrk="0" hangingPunct="1">
+      <a:defRPr sz="1123" kern="1200">
         <a:solidFill>
           <a:schemeClr val="tx1"/>
         </a:solidFill>
@@ -23,8 +24,8 @@
         <a:cs typeface="+mn-cs"/>
       </a:defRPr>
     </a:lvl1pPr>
-    <a:lvl2pPr marL="457200" algn="l" defTabSz="914400" rtl="0" eaLnBrk="1" latinLnBrk="0" hangingPunct="1">
-      <a:defRPr sz="1800" kern="1200">
+    <a:lvl2pPr marL="285293" algn="l" defTabSz="570586" rtl="0" eaLnBrk="1" latinLnBrk="0" hangingPunct="1">
+      <a:defRPr sz="1123" kern="1200">
         <a:solidFill>
           <a:schemeClr val="tx1"/>
         </a:solidFill>
@@ -33,8 +34,8 @@
         <a:cs typeface="+mn-cs"/>
       </a:defRPr>
     </a:lvl2pPr>
-    <a:lvl3pPr marL="914400" algn="l" defTabSz="914400" rtl="0" eaLnBrk="1" latinLnBrk="0" hangingPunct="1">
-      <a:defRPr sz="1800" kern="1200">
+    <a:lvl3pPr marL="570586" algn="l" defTabSz="570586" rtl="0" eaLnBrk="1" latinLnBrk="0" hangingPunct="1">
+      <a:defRPr sz="1123" kern="1200">
         <a:solidFill>
           <a:schemeClr val="tx1"/>
         </a:solidFill>
@@ -43,8 +44,8 @@
         <a:cs typeface="+mn-cs"/>
       </a:defRPr>
     </a:lvl3pPr>
-    <a:lvl4pPr marL="1371600" algn="l" defTabSz="914400" rtl="0" eaLnBrk="1" latinLnBrk="0" hangingPunct="1">
-      <a:defRPr sz="1800" kern="1200">
+    <a:lvl4pPr marL="855878" algn="l" defTabSz="570586" rtl="0" eaLnBrk="1" latinLnBrk="0" hangingPunct="1">
+      <a:defRPr sz="1123" kern="1200">
         <a:solidFill>
           <a:schemeClr val="tx1"/>
         </a:solidFill>
@@ -53,8 +54,8 @@
         <a:cs typeface="+mn-cs"/>
       </a:defRPr>
     </a:lvl4pPr>
-    <a:lvl5pPr marL="1828800" algn="l" defTabSz="914400" rtl="0" eaLnBrk="1" latinLnBrk="0" hangingPunct="1">
-      <a:defRPr sz="1800" kern="1200">
+    <a:lvl5pPr marL="1141171" algn="l" defTabSz="570586" rtl="0" eaLnBrk="1" latinLnBrk="0" hangingPunct="1">
+      <a:defRPr sz="1123" kern="1200">
         <a:solidFill>
           <a:schemeClr val="tx1"/>
         </a:solidFill>
@@ -63,8 +64,8 @@
         <a:cs typeface="+mn-cs"/>
       </a:defRPr>
     </a:lvl5pPr>
-    <a:lvl6pPr marL="2286000" algn="l" defTabSz="914400" rtl="0" eaLnBrk="1" latinLnBrk="0" hangingPunct="1">
-      <a:defRPr sz="1800" kern="1200">
+    <a:lvl6pPr marL="1426464" algn="l" defTabSz="570586" rtl="0" eaLnBrk="1" latinLnBrk="0" hangingPunct="1">
+      <a:defRPr sz="1123" kern="1200">
         <a:solidFill>
           <a:schemeClr val="tx1"/>
         </a:solidFill>
@@ -73,8 +74,8 @@
         <a:cs typeface="+mn-cs"/>
       </a:defRPr>
     </a:lvl6pPr>
-    <a:lvl7pPr marL="2743200" algn="l" defTabSz="914400" rtl="0" eaLnBrk="1" latinLnBrk="0" hangingPunct="1">
-      <a:defRPr sz="1800" kern="1200">
+    <a:lvl7pPr marL="1711757" algn="l" defTabSz="570586" rtl="0" eaLnBrk="1" latinLnBrk="0" hangingPunct="1">
+      <a:defRPr sz="1123" kern="1200">
         <a:solidFill>
           <a:schemeClr val="tx1"/>
         </a:solidFill>
@@ -83,8 +84,8 @@
         <a:cs typeface="+mn-cs"/>
       </a:defRPr>
     </a:lvl7pPr>
-    <a:lvl8pPr marL="3200400" algn="l" defTabSz="914400" rtl="0" eaLnBrk="1" latinLnBrk="0" hangingPunct="1">
-      <a:defRPr sz="1800" kern="1200">
+    <a:lvl8pPr marL="1997050" algn="l" defTabSz="570586" rtl="0" eaLnBrk="1" latinLnBrk="0" hangingPunct="1">
+      <a:defRPr sz="1123" kern="1200">
         <a:solidFill>
           <a:schemeClr val="tx1"/>
         </a:solidFill>
@@ -93,8 +94,8 @@
         <a:cs typeface="+mn-cs"/>
       </a:defRPr>
     </a:lvl8pPr>
-    <a:lvl9pPr marL="3657600" algn="l" defTabSz="914400" rtl="0" eaLnBrk="1" latinLnBrk="0" hangingPunct="1">
-      <a:defRPr sz="1800" kern="1200">
+    <a:lvl9pPr marL="2282342" algn="l" defTabSz="570586" rtl="0" eaLnBrk="1" latinLnBrk="0" hangingPunct="1">
+      <a:defRPr sz="1123" kern="1200">
         <a:solidFill>
           <a:schemeClr val="tx1"/>
         </a:solidFill>
@@ -136,15 +137,15 @@
         </p:nvSpPr>
         <p:spPr>
           <a:xfrm>
-            <a:off x="1524000" y="1122363"/>
-            <a:ext cx="9144000" cy="2387600"/>
+            <a:off x="914400" y="748242"/>
+            <a:ext cx="5486400" cy="1591733"/>
           </a:xfrm>
         </p:spPr>
         <p:txBody>
           <a:bodyPr anchor="b"/>
           <a:lstStyle>
             <a:lvl1pPr algn="ctr">
-              <a:defRPr sz="6000"/>
+              <a:defRPr sz="3600"/>
             </a:lvl1pPr>
           </a:lstStyle>
           <a:p>
@@ -152,7 +153,7 @@
               <a:rPr lang="en-US" smtClean="0"/>
               <a:t>Click to edit Master title style</a:t>
             </a:r>
-            <a:endParaRPr lang="en-US"/>
+            <a:endParaRPr lang="en-US" dirty="0"/>
           </a:p>
         </p:txBody>
       </p:sp>
@@ -168,8 +169,8 @@
         </p:nvSpPr>
         <p:spPr>
           <a:xfrm>
-            <a:off x="1524000" y="3602038"/>
-            <a:ext cx="9144000" cy="1655762"/>
+            <a:off x="914400" y="2401359"/>
+            <a:ext cx="5486400" cy="1103841"/>
           </a:xfrm>
         </p:spPr>
         <p:txBody>
@@ -177,39 +178,39 @@
           <a:lstStyle>
             <a:lvl1pPr marL="0" indent="0" algn="ctr">
               <a:buNone/>
-              <a:defRPr sz="2400"/>
+              <a:defRPr sz="1440"/>
             </a:lvl1pPr>
-            <a:lvl2pPr marL="457200" indent="0" algn="ctr">
-              <a:buNone/>
-              <a:defRPr sz="2000"/>
+            <a:lvl2pPr marL="274320" indent="0" algn="ctr">
+              <a:buNone/>
+              <a:defRPr sz="1200"/>
             </a:lvl2pPr>
-            <a:lvl3pPr marL="914400" indent="0" algn="ctr">
-              <a:buNone/>
-              <a:defRPr sz="1800"/>
+            <a:lvl3pPr marL="548640" indent="0" algn="ctr">
+              <a:buNone/>
+              <a:defRPr sz="1080"/>
             </a:lvl3pPr>
-            <a:lvl4pPr marL="1371600" indent="0" algn="ctr">
-              <a:buNone/>
-              <a:defRPr sz="1600"/>
+            <a:lvl4pPr marL="822960" indent="0" algn="ctr">
+              <a:buNone/>
+              <a:defRPr sz="960"/>
             </a:lvl4pPr>
-            <a:lvl5pPr marL="1828800" indent="0" algn="ctr">
-              <a:buNone/>
-              <a:defRPr sz="1600"/>
+            <a:lvl5pPr marL="1097280" indent="0" algn="ctr">
+              <a:buNone/>
+              <a:defRPr sz="960"/>
             </a:lvl5pPr>
-            <a:lvl6pPr marL="2286000" indent="0" algn="ctr">
-              <a:buNone/>
-              <a:defRPr sz="1600"/>
+            <a:lvl6pPr marL="1371600" indent="0" algn="ctr">
+              <a:buNone/>
+              <a:defRPr sz="960"/>
             </a:lvl6pPr>
-            <a:lvl7pPr marL="2743200" indent="0" algn="ctr">
-              <a:buNone/>
-              <a:defRPr sz="1600"/>
+            <a:lvl7pPr marL="1645920" indent="0" algn="ctr">
+              <a:buNone/>
+              <a:defRPr sz="960"/>
             </a:lvl7pPr>
-            <a:lvl8pPr marL="3200400" indent="0" algn="ctr">
-              <a:buNone/>
-              <a:defRPr sz="1600"/>
+            <a:lvl8pPr marL="1920240" indent="0" algn="ctr">
+              <a:buNone/>
+              <a:defRPr sz="960"/>
             </a:lvl8pPr>
-            <a:lvl9pPr marL="3657600" indent="0" algn="ctr">
-              <a:buNone/>
-              <a:defRPr sz="1600"/>
+            <a:lvl9pPr marL="2194560" indent="0" algn="ctr">
+              <a:buNone/>
+              <a:defRPr sz="960"/>
             </a:lvl9pPr>
           </a:lstStyle>
           <a:p>
@@ -217,7 +218,7 @@
               <a:rPr lang="en-US" smtClean="0"/>
               <a:t>Click to edit Master subtitle style</a:t>
             </a:r>
-            <a:endParaRPr lang="en-US"/>
+            <a:endParaRPr lang="en-US" dirty="0"/>
           </a:p>
         </p:txBody>
       </p:sp>
@@ -289,7 +290,7 @@
     </p:spTree>
     <p:extLst>
       <p:ext uri="{BB962C8B-B14F-4D97-AF65-F5344CB8AC3E}">
-        <p14:creationId xmlns:p14="http://schemas.microsoft.com/office/powerpoint/2010/main" val="240456035"/>
+        <p14:creationId xmlns:p14="http://schemas.microsoft.com/office/powerpoint/2010/main" val="1723540485"/>
       </p:ext>
     </p:extLst>
   </p:cSld>
@@ -335,7 +336,7 @@
               <a:rPr lang="en-US" smtClean="0"/>
               <a:t>Click to edit Master title style</a:t>
             </a:r>
-            <a:endParaRPr lang="en-US"/>
+            <a:endParaRPr lang="en-US" dirty="0"/>
           </a:p>
         </p:txBody>
       </p:sp>
@@ -387,7 +388,7 @@
               <a:rPr lang="en-US" smtClean="0"/>
               <a:t>Fifth level</a:t>
             </a:r>
-            <a:endParaRPr lang="en-US"/>
+            <a:endParaRPr lang="en-US" dirty="0"/>
           </a:p>
         </p:txBody>
       </p:sp>
@@ -459,7 +460,7 @@
     </p:spTree>
     <p:extLst>
       <p:ext uri="{BB962C8B-B14F-4D97-AF65-F5344CB8AC3E}">
-        <p14:creationId xmlns:p14="http://schemas.microsoft.com/office/powerpoint/2010/main" val="1533085683"/>
+        <p14:creationId xmlns:p14="http://schemas.microsoft.com/office/powerpoint/2010/main" val="3498330496"/>
       </p:ext>
     </p:extLst>
   </p:cSld>
@@ -498,8 +499,8 @@
         </p:nvSpPr>
         <p:spPr>
           <a:xfrm>
-            <a:off x="8724900" y="365125"/>
-            <a:ext cx="2628900" cy="5811838"/>
+            <a:off x="5234940" y="243417"/>
+            <a:ext cx="1577340" cy="3874559"/>
           </a:xfrm>
         </p:spPr>
         <p:txBody>
@@ -510,7 +511,7 @@
               <a:rPr lang="en-US" smtClean="0"/>
               <a:t>Click to edit Master title style</a:t>
             </a:r>
-            <a:endParaRPr lang="en-US"/>
+            <a:endParaRPr lang="en-US" dirty="0"/>
           </a:p>
         </p:txBody>
       </p:sp>
@@ -526,8 +527,8 @@
         </p:nvSpPr>
         <p:spPr>
           <a:xfrm>
-            <a:off x="838200" y="365125"/>
-            <a:ext cx="7734300" cy="5811838"/>
+            <a:off x="502920" y="243417"/>
+            <a:ext cx="4640580" cy="3874559"/>
           </a:xfrm>
         </p:spPr>
         <p:txBody>
@@ -567,7 +568,7 @@
               <a:rPr lang="en-US" smtClean="0"/>
               <a:t>Fifth level</a:t>
             </a:r>
-            <a:endParaRPr lang="en-US"/>
+            <a:endParaRPr lang="en-US" dirty="0"/>
           </a:p>
         </p:txBody>
       </p:sp>
@@ -639,7 +640,7 @@
     </p:spTree>
     <p:extLst>
       <p:ext uri="{BB962C8B-B14F-4D97-AF65-F5344CB8AC3E}">
-        <p14:creationId xmlns:p14="http://schemas.microsoft.com/office/powerpoint/2010/main" val="3700411543"/>
+        <p14:creationId xmlns:p14="http://schemas.microsoft.com/office/powerpoint/2010/main" val="1417424014"/>
       </p:ext>
     </p:extLst>
   </p:cSld>
@@ -685,7 +686,7 @@
               <a:rPr lang="en-US" smtClean="0"/>
               <a:t>Click to edit Master title style</a:t>
             </a:r>
-            <a:endParaRPr lang="en-US"/>
+            <a:endParaRPr lang="en-US" dirty="0"/>
           </a:p>
         </p:txBody>
       </p:sp>
@@ -737,7 +738,7 @@
               <a:rPr lang="en-US" smtClean="0"/>
               <a:t>Fifth level</a:t>
             </a:r>
-            <a:endParaRPr lang="en-US"/>
+            <a:endParaRPr lang="en-US" dirty="0"/>
           </a:p>
         </p:txBody>
       </p:sp>
@@ -809,7 +810,7 @@
     </p:spTree>
     <p:extLst>
       <p:ext uri="{BB962C8B-B14F-4D97-AF65-F5344CB8AC3E}">
-        <p14:creationId xmlns:p14="http://schemas.microsoft.com/office/powerpoint/2010/main" val="3174673743"/>
+        <p14:creationId xmlns:p14="http://schemas.microsoft.com/office/powerpoint/2010/main" val="3205627541"/>
       </p:ext>
     </p:extLst>
   </p:cSld>
@@ -848,15 +849,15 @@
         </p:nvSpPr>
         <p:spPr>
           <a:xfrm>
-            <a:off x="831850" y="1709738"/>
-            <a:ext cx="10515600" cy="2852737"/>
+            <a:off x="499110" y="1139826"/>
+            <a:ext cx="6309360" cy="1901825"/>
           </a:xfrm>
         </p:spPr>
         <p:txBody>
           <a:bodyPr anchor="b"/>
           <a:lstStyle>
             <a:lvl1pPr>
-              <a:defRPr sz="6000"/>
+              <a:defRPr sz="3600"/>
             </a:lvl1pPr>
           </a:lstStyle>
           <a:p>
@@ -864,7 +865,7 @@
               <a:rPr lang="en-US" smtClean="0"/>
               <a:t>Click to edit Master title style</a:t>
             </a:r>
-            <a:endParaRPr lang="en-US"/>
+            <a:endParaRPr lang="en-US" dirty="0"/>
           </a:p>
         </p:txBody>
       </p:sp>
@@ -880,8 +881,8 @@
         </p:nvSpPr>
         <p:spPr>
           <a:xfrm>
-            <a:off x="831850" y="4589463"/>
-            <a:ext cx="10515600" cy="1500187"/>
+            <a:off x="499110" y="3059642"/>
+            <a:ext cx="6309360" cy="1000125"/>
           </a:xfrm>
         </p:spPr>
         <p:txBody>
@@ -889,7 +890,7 @@
           <a:lstStyle>
             <a:lvl1pPr marL="0" indent="0">
               <a:buNone/>
-              <a:defRPr sz="2400">
+              <a:defRPr sz="1440">
                 <a:solidFill>
                   <a:schemeClr val="tx1">
                     <a:tint val="75000"/>
@@ -897,9 +898,9 @@
                 </a:solidFill>
               </a:defRPr>
             </a:lvl1pPr>
-            <a:lvl2pPr marL="457200" indent="0">
-              <a:buNone/>
-              <a:defRPr sz="2000">
+            <a:lvl2pPr marL="274320" indent="0">
+              <a:buNone/>
+              <a:defRPr sz="1200">
                 <a:solidFill>
                   <a:schemeClr val="tx1">
                     <a:tint val="75000"/>
@@ -907,9 +908,9 @@
                 </a:solidFill>
               </a:defRPr>
             </a:lvl2pPr>
-            <a:lvl3pPr marL="914400" indent="0">
-              <a:buNone/>
-              <a:defRPr sz="1800">
+            <a:lvl3pPr marL="548640" indent="0">
+              <a:buNone/>
+              <a:defRPr sz="1080">
                 <a:solidFill>
                   <a:schemeClr val="tx1">
                     <a:tint val="75000"/>
@@ -917,9 +918,9 @@
                 </a:solidFill>
               </a:defRPr>
             </a:lvl3pPr>
-            <a:lvl4pPr marL="1371600" indent="0">
-              <a:buNone/>
-              <a:defRPr sz="1600">
+            <a:lvl4pPr marL="822960" indent="0">
+              <a:buNone/>
+              <a:defRPr sz="960">
                 <a:solidFill>
                   <a:schemeClr val="tx1">
                     <a:tint val="75000"/>
@@ -927,9 +928,9 @@
                 </a:solidFill>
               </a:defRPr>
             </a:lvl4pPr>
-            <a:lvl5pPr marL="1828800" indent="0">
-              <a:buNone/>
-              <a:defRPr sz="1600">
+            <a:lvl5pPr marL="1097280" indent="0">
+              <a:buNone/>
+              <a:defRPr sz="960">
                 <a:solidFill>
                   <a:schemeClr val="tx1">
                     <a:tint val="75000"/>
@@ -937,9 +938,9 @@
                 </a:solidFill>
               </a:defRPr>
             </a:lvl5pPr>
-            <a:lvl6pPr marL="2286000" indent="0">
-              <a:buNone/>
-              <a:defRPr sz="1600">
+            <a:lvl6pPr marL="1371600" indent="0">
+              <a:buNone/>
+              <a:defRPr sz="960">
                 <a:solidFill>
                   <a:schemeClr val="tx1">
                     <a:tint val="75000"/>
@@ -947,9 +948,9 @@
                 </a:solidFill>
               </a:defRPr>
             </a:lvl6pPr>
-            <a:lvl7pPr marL="2743200" indent="0">
-              <a:buNone/>
-              <a:defRPr sz="1600">
+            <a:lvl7pPr marL="1645920" indent="0">
+              <a:buNone/>
+              <a:defRPr sz="960">
                 <a:solidFill>
                   <a:schemeClr val="tx1">
                     <a:tint val="75000"/>
@@ -957,9 +958,9 @@
                 </a:solidFill>
               </a:defRPr>
             </a:lvl7pPr>
-            <a:lvl8pPr marL="3200400" indent="0">
-              <a:buNone/>
-              <a:defRPr sz="1600">
+            <a:lvl8pPr marL="1920240" indent="0">
+              <a:buNone/>
+              <a:defRPr sz="960">
                 <a:solidFill>
                   <a:schemeClr val="tx1">
                     <a:tint val="75000"/>
@@ -967,9 +968,9 @@
                 </a:solidFill>
               </a:defRPr>
             </a:lvl8pPr>
-            <a:lvl9pPr marL="3657600" indent="0">
-              <a:buNone/>
-              <a:defRPr sz="1600">
+            <a:lvl9pPr marL="2194560" indent="0">
+              <a:buNone/>
+              <a:defRPr sz="960">
                 <a:solidFill>
                   <a:schemeClr val="tx1">
                     <a:tint val="75000"/>
@@ -1055,7 +1056,7 @@
     </p:spTree>
     <p:extLst>
       <p:ext uri="{BB962C8B-B14F-4D97-AF65-F5344CB8AC3E}">
-        <p14:creationId xmlns:p14="http://schemas.microsoft.com/office/powerpoint/2010/main" val="1188541104"/>
+        <p14:creationId xmlns:p14="http://schemas.microsoft.com/office/powerpoint/2010/main" val="2547834046"/>
       </p:ext>
     </p:extLst>
   </p:cSld>
@@ -1101,7 +1102,7 @@
               <a:rPr lang="en-US" smtClean="0"/>
               <a:t>Click to edit Master title style</a:t>
             </a:r>
-            <a:endParaRPr lang="en-US"/>
+            <a:endParaRPr lang="en-US" dirty="0"/>
           </a:p>
         </p:txBody>
       </p:sp>
@@ -1117,8 +1118,8 @@
         </p:nvSpPr>
         <p:spPr>
           <a:xfrm>
-            <a:off x="838200" y="1825625"/>
-            <a:ext cx="5181600" cy="4351338"/>
+            <a:off x="502920" y="1217083"/>
+            <a:ext cx="3108960" cy="2900892"/>
           </a:xfrm>
         </p:spPr>
         <p:txBody>
@@ -1158,7 +1159,7 @@
               <a:rPr lang="en-US" smtClean="0"/>
               <a:t>Fifth level</a:t>
             </a:r>
-            <a:endParaRPr lang="en-US"/>
+            <a:endParaRPr lang="en-US" dirty="0"/>
           </a:p>
         </p:txBody>
       </p:sp>
@@ -1174,8 +1175,8 @@
         </p:nvSpPr>
         <p:spPr>
           <a:xfrm>
-            <a:off x="6172200" y="1825625"/>
-            <a:ext cx="5181600" cy="4351338"/>
+            <a:off x="3703320" y="1217083"/>
+            <a:ext cx="3108960" cy="2900892"/>
           </a:xfrm>
         </p:spPr>
         <p:txBody>
@@ -1215,7 +1216,7 @@
               <a:rPr lang="en-US" smtClean="0"/>
               <a:t>Fifth level</a:t>
             </a:r>
-            <a:endParaRPr lang="en-US"/>
+            <a:endParaRPr lang="en-US" dirty="0"/>
           </a:p>
         </p:txBody>
       </p:sp>
@@ -1287,7 +1288,7 @@
     </p:spTree>
     <p:extLst>
       <p:ext uri="{BB962C8B-B14F-4D97-AF65-F5344CB8AC3E}">
-        <p14:creationId xmlns:p14="http://schemas.microsoft.com/office/powerpoint/2010/main" val="3287575850"/>
+        <p14:creationId xmlns:p14="http://schemas.microsoft.com/office/powerpoint/2010/main" val="2390115946"/>
       </p:ext>
     </p:extLst>
   </p:cSld>
@@ -1326,8 +1327,8 @@
         </p:nvSpPr>
         <p:spPr>
           <a:xfrm>
-            <a:off x="839788" y="365125"/>
-            <a:ext cx="10515600" cy="1325563"/>
+            <a:off x="503873" y="243417"/>
+            <a:ext cx="6309360" cy="883709"/>
           </a:xfrm>
         </p:spPr>
         <p:txBody>
@@ -1338,7 +1339,7 @@
               <a:rPr lang="en-US" smtClean="0"/>
               <a:t>Click to edit Master title style</a:t>
             </a:r>
-            <a:endParaRPr lang="en-US"/>
+            <a:endParaRPr lang="en-US" dirty="0"/>
           </a:p>
         </p:txBody>
       </p:sp>
@@ -1354,8 +1355,8 @@
         </p:nvSpPr>
         <p:spPr>
           <a:xfrm>
-            <a:off x="839788" y="1681163"/>
-            <a:ext cx="5157787" cy="823912"/>
+            <a:off x="503873" y="1120775"/>
+            <a:ext cx="3094672" cy="549275"/>
           </a:xfrm>
         </p:spPr>
         <p:txBody>
@@ -1363,39 +1364,39 @@
           <a:lstStyle>
             <a:lvl1pPr marL="0" indent="0">
               <a:buNone/>
-              <a:defRPr sz="2400" b="1"/>
+              <a:defRPr sz="1440" b="1"/>
             </a:lvl1pPr>
-            <a:lvl2pPr marL="457200" indent="0">
-              <a:buNone/>
-              <a:defRPr sz="2000" b="1"/>
+            <a:lvl2pPr marL="274320" indent="0">
+              <a:buNone/>
+              <a:defRPr sz="1200" b="1"/>
             </a:lvl2pPr>
-            <a:lvl3pPr marL="914400" indent="0">
-              <a:buNone/>
-              <a:defRPr sz="1800" b="1"/>
+            <a:lvl3pPr marL="548640" indent="0">
+              <a:buNone/>
+              <a:defRPr sz="1080" b="1"/>
             </a:lvl3pPr>
-            <a:lvl4pPr marL="1371600" indent="0">
-              <a:buNone/>
-              <a:defRPr sz="1600" b="1"/>
+            <a:lvl4pPr marL="822960" indent="0">
+              <a:buNone/>
+              <a:defRPr sz="960" b="1"/>
             </a:lvl4pPr>
-            <a:lvl5pPr marL="1828800" indent="0">
-              <a:buNone/>
-              <a:defRPr sz="1600" b="1"/>
+            <a:lvl5pPr marL="1097280" indent="0">
+              <a:buNone/>
+              <a:defRPr sz="960" b="1"/>
             </a:lvl5pPr>
-            <a:lvl6pPr marL="2286000" indent="0">
-              <a:buNone/>
-              <a:defRPr sz="1600" b="1"/>
+            <a:lvl6pPr marL="1371600" indent="0">
+              <a:buNone/>
+              <a:defRPr sz="960" b="1"/>
             </a:lvl6pPr>
-            <a:lvl7pPr marL="2743200" indent="0">
-              <a:buNone/>
-              <a:defRPr sz="1600" b="1"/>
+            <a:lvl7pPr marL="1645920" indent="0">
+              <a:buNone/>
+              <a:defRPr sz="960" b="1"/>
             </a:lvl7pPr>
-            <a:lvl8pPr marL="3200400" indent="0">
-              <a:buNone/>
-              <a:defRPr sz="1600" b="1"/>
+            <a:lvl8pPr marL="1920240" indent="0">
+              <a:buNone/>
+              <a:defRPr sz="960" b="1"/>
             </a:lvl8pPr>
-            <a:lvl9pPr marL="3657600" indent="0">
-              <a:buNone/>
-              <a:defRPr sz="1600" b="1"/>
+            <a:lvl9pPr marL="2194560" indent="0">
+              <a:buNone/>
+              <a:defRPr sz="960" b="1"/>
             </a:lvl9pPr>
           </a:lstStyle>
           <a:p>
@@ -1419,8 +1420,8 @@
         </p:nvSpPr>
         <p:spPr>
           <a:xfrm>
-            <a:off x="839788" y="2505075"/>
-            <a:ext cx="5157787" cy="3684588"/>
+            <a:off x="503873" y="1670050"/>
+            <a:ext cx="3094672" cy="2456392"/>
           </a:xfrm>
         </p:spPr>
         <p:txBody>
@@ -1460,7 +1461,7 @@
               <a:rPr lang="en-US" smtClean="0"/>
               <a:t>Fifth level</a:t>
             </a:r>
-            <a:endParaRPr lang="en-US"/>
+            <a:endParaRPr lang="en-US" dirty="0"/>
           </a:p>
         </p:txBody>
       </p:sp>
@@ -1476,8 +1477,8 @@
         </p:nvSpPr>
         <p:spPr>
           <a:xfrm>
-            <a:off x="6172200" y="1681163"/>
-            <a:ext cx="5183188" cy="823912"/>
+            <a:off x="3703320" y="1120775"/>
+            <a:ext cx="3109913" cy="549275"/>
           </a:xfrm>
         </p:spPr>
         <p:txBody>
@@ -1485,39 +1486,39 @@
           <a:lstStyle>
             <a:lvl1pPr marL="0" indent="0">
               <a:buNone/>
-              <a:defRPr sz="2400" b="1"/>
+              <a:defRPr sz="1440" b="1"/>
             </a:lvl1pPr>
-            <a:lvl2pPr marL="457200" indent="0">
-              <a:buNone/>
-              <a:defRPr sz="2000" b="1"/>
+            <a:lvl2pPr marL="274320" indent="0">
+              <a:buNone/>
+              <a:defRPr sz="1200" b="1"/>
             </a:lvl2pPr>
-            <a:lvl3pPr marL="914400" indent="0">
-              <a:buNone/>
-              <a:defRPr sz="1800" b="1"/>
+            <a:lvl3pPr marL="548640" indent="0">
+              <a:buNone/>
+              <a:defRPr sz="1080" b="1"/>
             </a:lvl3pPr>
-            <a:lvl4pPr marL="1371600" indent="0">
-              <a:buNone/>
-              <a:defRPr sz="1600" b="1"/>
+            <a:lvl4pPr marL="822960" indent="0">
+              <a:buNone/>
+              <a:defRPr sz="960" b="1"/>
             </a:lvl4pPr>
-            <a:lvl5pPr marL="1828800" indent="0">
-              <a:buNone/>
-              <a:defRPr sz="1600" b="1"/>
+            <a:lvl5pPr marL="1097280" indent="0">
+              <a:buNone/>
+              <a:defRPr sz="960" b="1"/>
             </a:lvl5pPr>
-            <a:lvl6pPr marL="2286000" indent="0">
-              <a:buNone/>
-              <a:defRPr sz="1600" b="1"/>
+            <a:lvl6pPr marL="1371600" indent="0">
+              <a:buNone/>
+              <a:defRPr sz="960" b="1"/>
             </a:lvl6pPr>
-            <a:lvl7pPr marL="2743200" indent="0">
-              <a:buNone/>
-              <a:defRPr sz="1600" b="1"/>
+            <a:lvl7pPr marL="1645920" indent="0">
+              <a:buNone/>
+              <a:defRPr sz="960" b="1"/>
             </a:lvl7pPr>
-            <a:lvl8pPr marL="3200400" indent="0">
-              <a:buNone/>
-              <a:defRPr sz="1600" b="1"/>
+            <a:lvl8pPr marL="1920240" indent="0">
+              <a:buNone/>
+              <a:defRPr sz="960" b="1"/>
             </a:lvl8pPr>
-            <a:lvl9pPr marL="3657600" indent="0">
-              <a:buNone/>
-              <a:defRPr sz="1600" b="1"/>
+            <a:lvl9pPr marL="2194560" indent="0">
+              <a:buNone/>
+              <a:defRPr sz="960" b="1"/>
             </a:lvl9pPr>
           </a:lstStyle>
           <a:p>
@@ -1541,8 +1542,8 @@
         </p:nvSpPr>
         <p:spPr>
           <a:xfrm>
-            <a:off x="6172200" y="2505075"/>
-            <a:ext cx="5183188" cy="3684588"/>
+            <a:off x="3703320" y="1670050"/>
+            <a:ext cx="3109913" cy="2456392"/>
           </a:xfrm>
         </p:spPr>
         <p:txBody>
@@ -1582,7 +1583,7 @@
               <a:rPr lang="en-US" smtClean="0"/>
               <a:t>Fifth level</a:t>
             </a:r>
-            <a:endParaRPr lang="en-US"/>
+            <a:endParaRPr lang="en-US" dirty="0"/>
           </a:p>
         </p:txBody>
       </p:sp>
@@ -1654,7 +1655,7 @@
     </p:spTree>
     <p:extLst>
       <p:ext uri="{BB962C8B-B14F-4D97-AF65-F5344CB8AC3E}">
-        <p14:creationId xmlns:p14="http://schemas.microsoft.com/office/powerpoint/2010/main" val="2041724763"/>
+        <p14:creationId xmlns:p14="http://schemas.microsoft.com/office/powerpoint/2010/main" val="1534721095"/>
       </p:ext>
     </p:extLst>
   </p:cSld>
@@ -1700,7 +1701,7 @@
               <a:rPr lang="en-US" smtClean="0"/>
               <a:t>Click to edit Master title style</a:t>
             </a:r>
-            <a:endParaRPr lang="en-US"/>
+            <a:endParaRPr lang="en-US" dirty="0"/>
           </a:p>
         </p:txBody>
       </p:sp>
@@ -1772,7 +1773,7 @@
     </p:spTree>
     <p:extLst>
       <p:ext uri="{BB962C8B-B14F-4D97-AF65-F5344CB8AC3E}">
-        <p14:creationId xmlns:p14="http://schemas.microsoft.com/office/powerpoint/2010/main" val="2209525135"/>
+        <p14:creationId xmlns:p14="http://schemas.microsoft.com/office/powerpoint/2010/main" val="3515638029"/>
       </p:ext>
     </p:extLst>
   </p:cSld>
@@ -1867,7 +1868,7 @@
     </p:spTree>
     <p:extLst>
       <p:ext uri="{BB962C8B-B14F-4D97-AF65-F5344CB8AC3E}">
-        <p14:creationId xmlns:p14="http://schemas.microsoft.com/office/powerpoint/2010/main" val="3782533960"/>
+        <p14:creationId xmlns:p14="http://schemas.microsoft.com/office/powerpoint/2010/main" val="2237182953"/>
       </p:ext>
     </p:extLst>
   </p:cSld>
@@ -1906,15 +1907,15 @@
         </p:nvSpPr>
         <p:spPr>
           <a:xfrm>
-            <a:off x="839788" y="457200"/>
-            <a:ext cx="3932237" cy="1600200"/>
+            <a:off x="503873" y="304800"/>
+            <a:ext cx="2359342" cy="1066800"/>
           </a:xfrm>
         </p:spPr>
         <p:txBody>
           <a:bodyPr anchor="b"/>
           <a:lstStyle>
             <a:lvl1pPr>
-              <a:defRPr sz="3200"/>
+              <a:defRPr sz="1920"/>
             </a:lvl1pPr>
           </a:lstStyle>
           <a:p>
@@ -1922,7 +1923,7 @@
               <a:rPr lang="en-US" smtClean="0"/>
               <a:t>Click to edit Master title style</a:t>
             </a:r>
-            <a:endParaRPr lang="en-US"/>
+            <a:endParaRPr lang="en-US" dirty="0"/>
           </a:p>
         </p:txBody>
       </p:sp>
@@ -1938,39 +1939,39 @@
         </p:nvSpPr>
         <p:spPr>
           <a:xfrm>
-            <a:off x="5183188" y="987425"/>
-            <a:ext cx="6172200" cy="4873625"/>
+            <a:off x="3109913" y="658284"/>
+            <a:ext cx="3703320" cy="3249083"/>
           </a:xfrm>
         </p:spPr>
         <p:txBody>
           <a:bodyPr/>
           <a:lstStyle>
             <a:lvl1pPr>
-              <a:defRPr sz="3200"/>
+              <a:defRPr sz="1920"/>
             </a:lvl1pPr>
             <a:lvl2pPr>
-              <a:defRPr sz="2800"/>
+              <a:defRPr sz="1680"/>
             </a:lvl2pPr>
             <a:lvl3pPr>
-              <a:defRPr sz="2400"/>
+              <a:defRPr sz="1440"/>
             </a:lvl3pPr>
             <a:lvl4pPr>
-              <a:defRPr sz="2000"/>
+              <a:defRPr sz="1200"/>
             </a:lvl4pPr>
             <a:lvl5pPr>
-              <a:defRPr sz="2000"/>
+              <a:defRPr sz="1200"/>
             </a:lvl5pPr>
             <a:lvl6pPr>
-              <a:defRPr sz="2000"/>
+              <a:defRPr sz="1200"/>
             </a:lvl6pPr>
             <a:lvl7pPr>
-              <a:defRPr sz="2000"/>
+              <a:defRPr sz="1200"/>
             </a:lvl7pPr>
             <a:lvl8pPr>
-              <a:defRPr sz="2000"/>
+              <a:defRPr sz="1200"/>
             </a:lvl8pPr>
             <a:lvl9pPr>
-              <a:defRPr sz="2000"/>
+              <a:defRPr sz="1200"/>
             </a:lvl9pPr>
           </a:lstStyle>
           <a:p>
@@ -2007,7 +2008,7 @@
               <a:rPr lang="en-US" smtClean="0"/>
               <a:t>Fifth level</a:t>
             </a:r>
-            <a:endParaRPr lang="en-US"/>
+            <a:endParaRPr lang="en-US" dirty="0"/>
           </a:p>
         </p:txBody>
       </p:sp>
@@ -2023,8 +2024,8 @@
         </p:nvSpPr>
         <p:spPr>
           <a:xfrm>
-            <a:off x="839788" y="2057400"/>
-            <a:ext cx="3932237" cy="3811588"/>
+            <a:off x="503873" y="1371600"/>
+            <a:ext cx="2359342" cy="2541059"/>
           </a:xfrm>
         </p:spPr>
         <p:txBody>
@@ -2032,39 +2033,39 @@
           <a:lstStyle>
             <a:lvl1pPr marL="0" indent="0">
               <a:buNone/>
-              <a:defRPr sz="1600"/>
+              <a:defRPr sz="960"/>
             </a:lvl1pPr>
-            <a:lvl2pPr marL="457200" indent="0">
-              <a:buNone/>
-              <a:defRPr sz="1400"/>
+            <a:lvl2pPr marL="274320" indent="0">
+              <a:buNone/>
+              <a:defRPr sz="840"/>
             </a:lvl2pPr>
-            <a:lvl3pPr marL="914400" indent="0">
-              <a:buNone/>
-              <a:defRPr sz="1200"/>
+            <a:lvl3pPr marL="548640" indent="0">
+              <a:buNone/>
+              <a:defRPr sz="720"/>
             </a:lvl3pPr>
-            <a:lvl4pPr marL="1371600" indent="0">
-              <a:buNone/>
-              <a:defRPr sz="1000"/>
+            <a:lvl4pPr marL="822960" indent="0">
+              <a:buNone/>
+              <a:defRPr sz="600"/>
             </a:lvl4pPr>
-            <a:lvl5pPr marL="1828800" indent="0">
-              <a:buNone/>
-              <a:defRPr sz="1000"/>
+            <a:lvl5pPr marL="1097280" indent="0">
+              <a:buNone/>
+              <a:defRPr sz="600"/>
             </a:lvl5pPr>
-            <a:lvl6pPr marL="2286000" indent="0">
-              <a:buNone/>
-              <a:defRPr sz="1000"/>
+            <a:lvl6pPr marL="1371600" indent="0">
+              <a:buNone/>
+              <a:defRPr sz="600"/>
             </a:lvl6pPr>
-            <a:lvl7pPr marL="2743200" indent="0">
-              <a:buNone/>
-              <a:defRPr sz="1000"/>
+            <a:lvl7pPr marL="1645920" indent="0">
+              <a:buNone/>
+              <a:defRPr sz="600"/>
             </a:lvl7pPr>
-            <a:lvl8pPr marL="3200400" indent="0">
-              <a:buNone/>
-              <a:defRPr sz="1000"/>
+            <a:lvl8pPr marL="1920240" indent="0">
+              <a:buNone/>
+              <a:defRPr sz="600"/>
             </a:lvl8pPr>
-            <a:lvl9pPr marL="3657600" indent="0">
-              <a:buNone/>
-              <a:defRPr sz="1000"/>
+            <a:lvl9pPr marL="2194560" indent="0">
+              <a:buNone/>
+              <a:defRPr sz="600"/>
             </a:lvl9pPr>
           </a:lstStyle>
           <a:p>
@@ -2144,7 +2145,7 @@
     </p:spTree>
     <p:extLst>
       <p:ext uri="{BB962C8B-B14F-4D97-AF65-F5344CB8AC3E}">
-        <p14:creationId xmlns:p14="http://schemas.microsoft.com/office/powerpoint/2010/main" val="343191401"/>
+        <p14:creationId xmlns:p14="http://schemas.microsoft.com/office/powerpoint/2010/main" val="1296640634"/>
       </p:ext>
     </p:extLst>
   </p:cSld>
@@ -2183,15 +2184,15 @@
         </p:nvSpPr>
         <p:spPr>
           <a:xfrm>
-            <a:off x="839788" y="457200"/>
-            <a:ext cx="3932237" cy="1600200"/>
+            <a:off x="503873" y="304800"/>
+            <a:ext cx="2359342" cy="1066800"/>
           </a:xfrm>
         </p:spPr>
         <p:txBody>
           <a:bodyPr anchor="b"/>
           <a:lstStyle>
             <a:lvl1pPr>
-              <a:defRPr sz="3200"/>
+              <a:defRPr sz="1920"/>
             </a:lvl1pPr>
           </a:lstStyle>
           <a:p>
@@ -2199,7 +2200,7 @@
               <a:rPr lang="en-US" smtClean="0"/>
               <a:t>Click to edit Master title style</a:t>
             </a:r>
-            <a:endParaRPr lang="en-US"/>
+            <a:endParaRPr lang="en-US" dirty="0"/>
           </a:p>
         </p:txBody>
       </p:sp>
@@ -2207,7 +2208,7 @@
         <p:nvSpPr>
           <p:cNvPr id="3" name="Picture Placeholder 2"/>
           <p:cNvSpPr>
-            <a:spLocks noGrp="1"/>
+            <a:spLocks noGrp="1" noChangeAspect="1"/>
           </p:cNvSpPr>
           <p:nvPr>
             <p:ph type="pic" idx="1"/>
@@ -2215,52 +2216,56 @@
         </p:nvSpPr>
         <p:spPr>
           <a:xfrm>
-            <a:off x="5183188" y="987425"/>
-            <a:ext cx="6172200" cy="4873625"/>
+            <a:off x="3109913" y="658284"/>
+            <a:ext cx="3703320" cy="3249083"/>
           </a:xfrm>
         </p:spPr>
         <p:txBody>
-          <a:bodyPr/>
+          <a:bodyPr anchor="t"/>
           <a:lstStyle>
             <a:lvl1pPr marL="0" indent="0">
               <a:buNone/>
-              <a:defRPr sz="3200"/>
+              <a:defRPr sz="1920"/>
             </a:lvl1pPr>
-            <a:lvl2pPr marL="457200" indent="0">
-              <a:buNone/>
-              <a:defRPr sz="2800"/>
+            <a:lvl2pPr marL="274320" indent="0">
+              <a:buNone/>
+              <a:defRPr sz="1680"/>
             </a:lvl2pPr>
-            <a:lvl3pPr marL="914400" indent="0">
-              <a:buNone/>
-              <a:defRPr sz="2400"/>
+            <a:lvl3pPr marL="548640" indent="0">
+              <a:buNone/>
+              <a:defRPr sz="1440"/>
             </a:lvl3pPr>
-            <a:lvl4pPr marL="1371600" indent="0">
-              <a:buNone/>
-              <a:defRPr sz="2000"/>
+            <a:lvl4pPr marL="822960" indent="0">
+              <a:buNone/>
+              <a:defRPr sz="1200"/>
             </a:lvl4pPr>
-            <a:lvl5pPr marL="1828800" indent="0">
-              <a:buNone/>
-              <a:defRPr sz="2000"/>
+            <a:lvl5pPr marL="1097280" indent="0">
+              <a:buNone/>
+              <a:defRPr sz="1200"/>
             </a:lvl5pPr>
-            <a:lvl6pPr marL="2286000" indent="0">
-              <a:buNone/>
-              <a:defRPr sz="2000"/>
+            <a:lvl6pPr marL="1371600" indent="0">
+              <a:buNone/>
+              <a:defRPr sz="1200"/>
             </a:lvl6pPr>
-            <a:lvl7pPr marL="2743200" indent="0">
-              <a:buNone/>
-              <a:defRPr sz="2000"/>
+            <a:lvl7pPr marL="1645920" indent="0">
+              <a:buNone/>
+              <a:defRPr sz="1200"/>
             </a:lvl7pPr>
-            <a:lvl8pPr marL="3200400" indent="0">
-              <a:buNone/>
-              <a:defRPr sz="2000"/>
+            <a:lvl8pPr marL="1920240" indent="0">
+              <a:buNone/>
+              <a:defRPr sz="1200"/>
             </a:lvl8pPr>
-            <a:lvl9pPr marL="3657600" indent="0">
-              <a:buNone/>
-              <a:defRPr sz="2000"/>
+            <a:lvl9pPr marL="2194560" indent="0">
+              <a:buNone/>
+              <a:defRPr sz="1200"/>
             </a:lvl9pPr>
           </a:lstStyle>
           <a:p>
-            <a:endParaRPr lang="en-US"/>
+            <a:r>
+              <a:rPr lang="en-US" smtClean="0"/>
+              <a:t>Click icon to add picture</a:t>
+            </a:r>
+            <a:endParaRPr lang="en-US" dirty="0"/>
           </a:p>
         </p:txBody>
       </p:sp>
@@ -2276,8 +2281,8 @@
         </p:nvSpPr>
         <p:spPr>
           <a:xfrm>
-            <a:off x="839788" y="2057400"/>
-            <a:ext cx="3932237" cy="3811588"/>
+            <a:off x="503873" y="1371600"/>
+            <a:ext cx="2359342" cy="2541059"/>
           </a:xfrm>
         </p:spPr>
         <p:txBody>
@@ -2285,39 +2290,39 @@
           <a:lstStyle>
             <a:lvl1pPr marL="0" indent="0">
               <a:buNone/>
-              <a:defRPr sz="1600"/>
+              <a:defRPr sz="960"/>
             </a:lvl1pPr>
-            <a:lvl2pPr marL="457200" indent="0">
-              <a:buNone/>
-              <a:defRPr sz="1400"/>
+            <a:lvl2pPr marL="274320" indent="0">
+              <a:buNone/>
+              <a:defRPr sz="840"/>
             </a:lvl2pPr>
-            <a:lvl3pPr marL="914400" indent="0">
-              <a:buNone/>
-              <a:defRPr sz="1200"/>
+            <a:lvl3pPr marL="548640" indent="0">
+              <a:buNone/>
+              <a:defRPr sz="720"/>
             </a:lvl3pPr>
-            <a:lvl4pPr marL="1371600" indent="0">
-              <a:buNone/>
-              <a:defRPr sz="1000"/>
+            <a:lvl4pPr marL="822960" indent="0">
+              <a:buNone/>
+              <a:defRPr sz="600"/>
             </a:lvl4pPr>
-            <a:lvl5pPr marL="1828800" indent="0">
-              <a:buNone/>
-              <a:defRPr sz="1000"/>
+            <a:lvl5pPr marL="1097280" indent="0">
+              <a:buNone/>
+              <a:defRPr sz="600"/>
             </a:lvl5pPr>
-            <a:lvl6pPr marL="2286000" indent="0">
-              <a:buNone/>
-              <a:defRPr sz="1000"/>
+            <a:lvl6pPr marL="1371600" indent="0">
+              <a:buNone/>
+              <a:defRPr sz="600"/>
             </a:lvl6pPr>
-            <a:lvl7pPr marL="2743200" indent="0">
-              <a:buNone/>
-              <a:defRPr sz="1000"/>
+            <a:lvl7pPr marL="1645920" indent="0">
+              <a:buNone/>
+              <a:defRPr sz="600"/>
             </a:lvl7pPr>
-            <a:lvl8pPr marL="3200400" indent="0">
-              <a:buNone/>
-              <a:defRPr sz="1000"/>
+            <a:lvl8pPr marL="1920240" indent="0">
+              <a:buNone/>
+              <a:defRPr sz="600"/>
             </a:lvl8pPr>
-            <a:lvl9pPr marL="3657600" indent="0">
-              <a:buNone/>
-              <a:defRPr sz="1000"/>
+            <a:lvl9pPr marL="2194560" indent="0">
+              <a:buNone/>
+              <a:defRPr sz="600"/>
             </a:lvl9pPr>
           </a:lstStyle>
           <a:p>
@@ -2397,7 +2402,7 @@
     </p:spTree>
     <p:extLst>
       <p:ext uri="{BB962C8B-B14F-4D97-AF65-F5344CB8AC3E}">
-        <p14:creationId xmlns:p14="http://schemas.microsoft.com/office/powerpoint/2010/main" val="2738702644"/>
+        <p14:creationId xmlns:p14="http://schemas.microsoft.com/office/powerpoint/2010/main" val="3287726020"/>
       </p:ext>
     </p:extLst>
   </p:cSld>
@@ -2441,8 +2446,8 @@
         </p:nvSpPr>
         <p:spPr>
           <a:xfrm>
-            <a:off x="838200" y="365125"/>
-            <a:ext cx="10515600" cy="1325563"/>
+            <a:off x="502920" y="243417"/>
+            <a:ext cx="6309360" cy="883709"/>
           </a:xfrm>
           <a:prstGeom prst="rect">
             <a:avLst/>
@@ -2458,7 +2463,7 @@
               <a:rPr lang="en-US" smtClean="0"/>
               <a:t>Click to edit Master title style</a:t>
             </a:r>
-            <a:endParaRPr lang="en-US"/>
+            <a:endParaRPr lang="en-US" dirty="0"/>
           </a:p>
         </p:txBody>
       </p:sp>
@@ -2474,8 +2479,8 @@
         </p:nvSpPr>
         <p:spPr>
           <a:xfrm>
-            <a:off x="838200" y="1825625"/>
-            <a:ext cx="10515600" cy="4351338"/>
+            <a:off x="502920" y="1217083"/>
+            <a:ext cx="6309360" cy="2900892"/>
           </a:xfrm>
           <a:prstGeom prst="rect">
             <a:avLst/>
@@ -2520,7 +2525,7 @@
               <a:rPr lang="en-US" smtClean="0"/>
               <a:t>Fifth level</a:t>
             </a:r>
-            <a:endParaRPr lang="en-US"/>
+            <a:endParaRPr lang="en-US" dirty="0"/>
           </a:p>
         </p:txBody>
       </p:sp>
@@ -2536,8 +2541,8 @@
         </p:nvSpPr>
         <p:spPr>
           <a:xfrm>
-            <a:off x="838200" y="6356350"/>
-            <a:ext cx="2743200" cy="365125"/>
+            <a:off x="502920" y="4237567"/>
+            <a:ext cx="1645920" cy="243417"/>
           </a:xfrm>
           <a:prstGeom prst="rect">
             <a:avLst/>
@@ -2547,7 +2552,7 @@
           <a:bodyPr vert="horz" lIns="91440" tIns="45720" rIns="91440" bIns="45720" rtlCol="0" anchor="ctr"/>
           <a:lstStyle>
             <a:lvl1pPr algn="l">
-              <a:defRPr sz="1200">
+              <a:defRPr sz="720">
                 <a:solidFill>
                   <a:schemeClr val="tx1">
                     <a:tint val="75000"/>
@@ -2577,8 +2582,8 @@
         </p:nvSpPr>
         <p:spPr>
           <a:xfrm>
-            <a:off x="4038600" y="6356350"/>
-            <a:ext cx="4114800" cy="365125"/>
+            <a:off x="2423160" y="4237567"/>
+            <a:ext cx="2468880" cy="243417"/>
           </a:xfrm>
           <a:prstGeom prst="rect">
             <a:avLst/>
@@ -2588,7 +2593,7 @@
           <a:bodyPr vert="horz" lIns="91440" tIns="45720" rIns="91440" bIns="45720" rtlCol="0" anchor="ctr"/>
           <a:lstStyle>
             <a:lvl1pPr algn="ctr">
-              <a:defRPr sz="1200">
+              <a:defRPr sz="720">
                 <a:solidFill>
                   <a:schemeClr val="tx1">
                     <a:tint val="75000"/>
@@ -2614,8 +2619,8 @@
         </p:nvSpPr>
         <p:spPr>
           <a:xfrm>
-            <a:off x="8610600" y="6356350"/>
-            <a:ext cx="2743200" cy="365125"/>
+            <a:off x="5166360" y="4237567"/>
+            <a:ext cx="1645920" cy="243417"/>
           </a:xfrm>
           <a:prstGeom prst="rect">
             <a:avLst/>
@@ -2625,7 +2630,7 @@
           <a:bodyPr vert="horz" lIns="91440" tIns="45720" rIns="91440" bIns="45720" rtlCol="0" anchor="ctr"/>
           <a:lstStyle>
             <a:lvl1pPr algn="r">
-              <a:defRPr sz="1200">
+              <a:defRPr sz="720">
                 <a:solidFill>
                   <a:schemeClr val="tx1">
                     <a:tint val="75000"/>
@@ -2646,27 +2651,27 @@
     </p:spTree>
     <p:extLst>
       <p:ext uri="{BB962C8B-B14F-4D97-AF65-F5344CB8AC3E}">
-        <p14:creationId xmlns:p14="http://schemas.microsoft.com/office/powerpoint/2010/main" val="2287392610"/>
+        <p14:creationId xmlns:p14="http://schemas.microsoft.com/office/powerpoint/2010/main" val="1869285857"/>
       </p:ext>
     </p:extLst>
   </p:cSld>
   <p:clrMap bg1="lt1" tx1="dk1" bg2="lt2" tx2="dk2" accent1="accent1" accent2="accent2" accent3="accent3" accent4="accent4" accent5="accent5" accent6="accent6" hlink="hlink" folHlink="folHlink"/>
   <p:sldLayoutIdLst>
-    <p:sldLayoutId id="2147483649" r:id="rId1"/>
-    <p:sldLayoutId id="2147483650" r:id="rId2"/>
-    <p:sldLayoutId id="2147483651" r:id="rId3"/>
-    <p:sldLayoutId id="2147483652" r:id="rId4"/>
-    <p:sldLayoutId id="2147483653" r:id="rId5"/>
-    <p:sldLayoutId id="2147483654" r:id="rId6"/>
-    <p:sldLayoutId id="2147483655" r:id="rId7"/>
-    <p:sldLayoutId id="2147483656" r:id="rId8"/>
-    <p:sldLayoutId id="2147483657" r:id="rId9"/>
-    <p:sldLayoutId id="2147483658" r:id="rId10"/>
-    <p:sldLayoutId id="2147483659" r:id="rId11"/>
+    <p:sldLayoutId id="2147483661" r:id="rId1"/>
+    <p:sldLayoutId id="2147483662" r:id="rId2"/>
+    <p:sldLayoutId id="2147483663" r:id="rId3"/>
+    <p:sldLayoutId id="2147483664" r:id="rId4"/>
+    <p:sldLayoutId id="2147483665" r:id="rId5"/>
+    <p:sldLayoutId id="2147483666" r:id="rId6"/>
+    <p:sldLayoutId id="2147483667" r:id="rId7"/>
+    <p:sldLayoutId id="2147483668" r:id="rId8"/>
+    <p:sldLayoutId id="2147483669" r:id="rId9"/>
+    <p:sldLayoutId id="2147483670" r:id="rId10"/>
+    <p:sldLayoutId id="2147483671" r:id="rId11"/>
   </p:sldLayoutIdLst>
   <p:txStyles>
     <p:titleStyle>
-      <a:lvl1pPr algn="l" defTabSz="914400" rtl="0" eaLnBrk="1" latinLnBrk="0" hangingPunct="1">
+      <a:lvl1pPr algn="l" defTabSz="548640" rtl="0" eaLnBrk="1" latinLnBrk="0" hangingPunct="1">
         <a:lnSpc>
           <a:spcPct val="90000"/>
         </a:lnSpc>
@@ -2674,7 +2679,7 @@
           <a:spcPct val="0"/>
         </a:spcBef>
         <a:buNone/>
-        <a:defRPr sz="4400" kern="1200">
+        <a:defRPr sz="2640" kern="1200">
           <a:solidFill>
             <a:schemeClr val="tx1"/>
           </a:solidFill>
@@ -2685,16 +2690,16 @@
       </a:lvl1pPr>
     </p:titleStyle>
     <p:bodyStyle>
-      <a:lvl1pPr marL="228600" indent="-228600" algn="l" defTabSz="914400" rtl="0" eaLnBrk="1" latinLnBrk="0" hangingPunct="1">
+      <a:lvl1pPr marL="137160" indent="-137160" algn="l" defTabSz="548640" rtl="0" eaLnBrk="1" latinLnBrk="0" hangingPunct="1">
         <a:lnSpc>
           <a:spcPct val="90000"/>
         </a:lnSpc>
         <a:spcBef>
-          <a:spcPts val="1000"/>
+          <a:spcPts val="600"/>
         </a:spcBef>
         <a:buFont typeface="Arial" panose="020B0604020202020204" pitchFamily="34" charset="0"/>
         <a:buChar char="•"/>
-        <a:defRPr sz="2800" kern="1200">
+        <a:defRPr sz="1680" kern="1200">
           <a:solidFill>
             <a:schemeClr val="tx1"/>
           </a:solidFill>
@@ -2703,16 +2708,16 @@
           <a:cs typeface="+mn-cs"/>
         </a:defRPr>
       </a:lvl1pPr>
-      <a:lvl2pPr marL="685800" indent="-228600" algn="l" defTabSz="914400" rtl="0" eaLnBrk="1" latinLnBrk="0" hangingPunct="1">
+      <a:lvl2pPr marL="411480" indent="-137160" algn="l" defTabSz="548640" rtl="0" eaLnBrk="1" latinLnBrk="0" hangingPunct="1">
         <a:lnSpc>
           <a:spcPct val="90000"/>
         </a:lnSpc>
         <a:spcBef>
-          <a:spcPts val="500"/>
+          <a:spcPts val="300"/>
         </a:spcBef>
         <a:buFont typeface="Arial" panose="020B0604020202020204" pitchFamily="34" charset="0"/>
         <a:buChar char="•"/>
-        <a:defRPr sz="2400" kern="1200">
+        <a:defRPr sz="1440" kern="1200">
           <a:solidFill>
             <a:schemeClr val="tx1"/>
           </a:solidFill>
@@ -2721,16 +2726,16 @@
           <a:cs typeface="+mn-cs"/>
         </a:defRPr>
       </a:lvl2pPr>
-      <a:lvl3pPr marL="1143000" indent="-228600" algn="l" defTabSz="914400" rtl="0" eaLnBrk="1" latinLnBrk="0" hangingPunct="1">
+      <a:lvl3pPr marL="685800" indent="-137160" algn="l" defTabSz="548640" rtl="0" eaLnBrk="1" latinLnBrk="0" hangingPunct="1">
         <a:lnSpc>
           <a:spcPct val="90000"/>
         </a:lnSpc>
         <a:spcBef>
-          <a:spcPts val="500"/>
+          <a:spcPts val="300"/>
         </a:spcBef>
         <a:buFont typeface="Arial" panose="020B0604020202020204" pitchFamily="34" charset="0"/>
         <a:buChar char="•"/>
-        <a:defRPr sz="2000" kern="1200">
+        <a:defRPr sz="1200" kern="1200">
           <a:solidFill>
             <a:schemeClr val="tx1"/>
           </a:solidFill>
@@ -2739,16 +2744,16 @@
           <a:cs typeface="+mn-cs"/>
         </a:defRPr>
       </a:lvl3pPr>
-      <a:lvl4pPr marL="1600200" indent="-228600" algn="l" defTabSz="914400" rtl="0" eaLnBrk="1" latinLnBrk="0" hangingPunct="1">
+      <a:lvl4pPr marL="960120" indent="-137160" algn="l" defTabSz="548640" rtl="0" eaLnBrk="1" latinLnBrk="0" hangingPunct="1">
         <a:lnSpc>
           <a:spcPct val="90000"/>
         </a:lnSpc>
         <a:spcBef>
-          <a:spcPts val="500"/>
+          <a:spcPts val="300"/>
         </a:spcBef>
         <a:buFont typeface="Arial" panose="020B0604020202020204" pitchFamily="34" charset="0"/>
         <a:buChar char="•"/>
-        <a:defRPr sz="1800" kern="1200">
+        <a:defRPr sz="1080" kern="1200">
           <a:solidFill>
             <a:schemeClr val="tx1"/>
           </a:solidFill>
@@ -2757,16 +2762,16 @@
           <a:cs typeface="+mn-cs"/>
         </a:defRPr>
       </a:lvl4pPr>
-      <a:lvl5pPr marL="2057400" indent="-228600" algn="l" defTabSz="914400" rtl="0" eaLnBrk="1" latinLnBrk="0" hangingPunct="1">
+      <a:lvl5pPr marL="1234440" indent="-137160" algn="l" defTabSz="548640" rtl="0" eaLnBrk="1" latinLnBrk="0" hangingPunct="1">
         <a:lnSpc>
           <a:spcPct val="90000"/>
         </a:lnSpc>
         <a:spcBef>
-          <a:spcPts val="500"/>
+          <a:spcPts val="300"/>
         </a:spcBef>
         <a:buFont typeface="Arial" panose="020B0604020202020204" pitchFamily="34" charset="0"/>
         <a:buChar char="•"/>
-        <a:defRPr sz="1800" kern="1200">
+        <a:defRPr sz="1080" kern="1200">
           <a:solidFill>
             <a:schemeClr val="tx1"/>
           </a:solidFill>
@@ -2775,16 +2780,16 @@
           <a:cs typeface="+mn-cs"/>
         </a:defRPr>
       </a:lvl5pPr>
-      <a:lvl6pPr marL="2514600" indent="-228600" algn="l" defTabSz="914400" rtl="0" eaLnBrk="1" latinLnBrk="0" hangingPunct="1">
+      <a:lvl6pPr marL="1508760" indent="-137160" algn="l" defTabSz="548640" rtl="0" eaLnBrk="1" latinLnBrk="0" hangingPunct="1">
         <a:lnSpc>
           <a:spcPct val="90000"/>
         </a:lnSpc>
         <a:spcBef>
-          <a:spcPts val="500"/>
+          <a:spcPts val="300"/>
         </a:spcBef>
         <a:buFont typeface="Arial" panose="020B0604020202020204" pitchFamily="34" charset="0"/>
         <a:buChar char="•"/>
-        <a:defRPr sz="1800" kern="1200">
+        <a:defRPr sz="1080" kern="1200">
           <a:solidFill>
             <a:schemeClr val="tx1"/>
           </a:solidFill>
@@ -2793,16 +2798,16 @@
           <a:cs typeface="+mn-cs"/>
         </a:defRPr>
       </a:lvl6pPr>
-      <a:lvl7pPr marL="2971800" indent="-228600" algn="l" defTabSz="914400" rtl="0" eaLnBrk="1" latinLnBrk="0" hangingPunct="1">
+      <a:lvl7pPr marL="1783080" indent="-137160" algn="l" defTabSz="548640" rtl="0" eaLnBrk="1" latinLnBrk="0" hangingPunct="1">
         <a:lnSpc>
           <a:spcPct val="90000"/>
         </a:lnSpc>
         <a:spcBef>
-          <a:spcPts val="500"/>
+          <a:spcPts val="300"/>
         </a:spcBef>
         <a:buFont typeface="Arial" panose="020B0604020202020204" pitchFamily="34" charset="0"/>
         <a:buChar char="•"/>
-        <a:defRPr sz="1800" kern="1200">
+        <a:defRPr sz="1080" kern="1200">
           <a:solidFill>
             <a:schemeClr val="tx1"/>
           </a:solidFill>
@@ -2811,16 +2816,16 @@
           <a:cs typeface="+mn-cs"/>
         </a:defRPr>
       </a:lvl7pPr>
-      <a:lvl8pPr marL="3429000" indent="-228600" algn="l" defTabSz="914400" rtl="0" eaLnBrk="1" latinLnBrk="0" hangingPunct="1">
+      <a:lvl8pPr marL="2057400" indent="-137160" algn="l" defTabSz="548640" rtl="0" eaLnBrk="1" latinLnBrk="0" hangingPunct="1">
         <a:lnSpc>
           <a:spcPct val="90000"/>
         </a:lnSpc>
         <a:spcBef>
-          <a:spcPts val="500"/>
+          <a:spcPts val="300"/>
         </a:spcBef>
         <a:buFont typeface="Arial" panose="020B0604020202020204" pitchFamily="34" charset="0"/>
         <a:buChar char="•"/>
-        <a:defRPr sz="1800" kern="1200">
+        <a:defRPr sz="1080" kern="1200">
           <a:solidFill>
             <a:schemeClr val="tx1"/>
           </a:solidFill>
@@ -2829,16 +2834,16 @@
           <a:cs typeface="+mn-cs"/>
         </a:defRPr>
       </a:lvl8pPr>
-      <a:lvl9pPr marL="3886200" indent="-228600" algn="l" defTabSz="914400" rtl="0" eaLnBrk="1" latinLnBrk="0" hangingPunct="1">
+      <a:lvl9pPr marL="2331720" indent="-137160" algn="l" defTabSz="548640" rtl="0" eaLnBrk="1" latinLnBrk="0" hangingPunct="1">
         <a:lnSpc>
           <a:spcPct val="90000"/>
         </a:lnSpc>
         <a:spcBef>
-          <a:spcPts val="500"/>
+          <a:spcPts val="300"/>
         </a:spcBef>
         <a:buFont typeface="Arial" panose="020B0604020202020204" pitchFamily="34" charset="0"/>
         <a:buChar char="•"/>
-        <a:defRPr sz="1800" kern="1200">
+        <a:defRPr sz="1080" kern="1200">
           <a:solidFill>
             <a:schemeClr val="tx1"/>
           </a:solidFill>
@@ -2852,8 +2857,8 @@
       <a:defPPr>
         <a:defRPr lang="en-US"/>
       </a:defPPr>
-      <a:lvl1pPr marL="0" algn="l" defTabSz="914400" rtl="0" eaLnBrk="1" latinLnBrk="0" hangingPunct="1">
-        <a:defRPr sz="1800" kern="1200">
+      <a:lvl1pPr marL="0" algn="l" defTabSz="548640" rtl="0" eaLnBrk="1" latinLnBrk="0" hangingPunct="1">
+        <a:defRPr sz="1080" kern="1200">
           <a:solidFill>
             <a:schemeClr val="tx1"/>
           </a:solidFill>
@@ -2862,8 +2867,8 @@
           <a:cs typeface="+mn-cs"/>
         </a:defRPr>
       </a:lvl1pPr>
-      <a:lvl2pPr marL="457200" algn="l" defTabSz="914400" rtl="0" eaLnBrk="1" latinLnBrk="0" hangingPunct="1">
-        <a:defRPr sz="1800" kern="1200">
+      <a:lvl2pPr marL="274320" algn="l" defTabSz="548640" rtl="0" eaLnBrk="1" latinLnBrk="0" hangingPunct="1">
+        <a:defRPr sz="1080" kern="1200">
           <a:solidFill>
             <a:schemeClr val="tx1"/>
           </a:solidFill>
@@ -2872,8 +2877,8 @@
           <a:cs typeface="+mn-cs"/>
         </a:defRPr>
       </a:lvl2pPr>
-      <a:lvl3pPr marL="914400" algn="l" defTabSz="914400" rtl="0" eaLnBrk="1" latinLnBrk="0" hangingPunct="1">
-        <a:defRPr sz="1800" kern="1200">
+      <a:lvl3pPr marL="548640" algn="l" defTabSz="548640" rtl="0" eaLnBrk="1" latinLnBrk="0" hangingPunct="1">
+        <a:defRPr sz="1080" kern="1200">
           <a:solidFill>
             <a:schemeClr val="tx1"/>
           </a:solidFill>
@@ -2882,8 +2887,8 @@
           <a:cs typeface="+mn-cs"/>
         </a:defRPr>
       </a:lvl3pPr>
-      <a:lvl4pPr marL="1371600" algn="l" defTabSz="914400" rtl="0" eaLnBrk="1" latinLnBrk="0" hangingPunct="1">
-        <a:defRPr sz="1800" kern="1200">
+      <a:lvl4pPr marL="822960" algn="l" defTabSz="548640" rtl="0" eaLnBrk="1" latinLnBrk="0" hangingPunct="1">
+        <a:defRPr sz="1080" kern="1200">
           <a:solidFill>
             <a:schemeClr val="tx1"/>
           </a:solidFill>
@@ -2892,8 +2897,8 @@
           <a:cs typeface="+mn-cs"/>
         </a:defRPr>
       </a:lvl4pPr>
-      <a:lvl5pPr marL="1828800" algn="l" defTabSz="914400" rtl="0" eaLnBrk="1" latinLnBrk="0" hangingPunct="1">
-        <a:defRPr sz="1800" kern="1200">
+      <a:lvl5pPr marL="1097280" algn="l" defTabSz="548640" rtl="0" eaLnBrk="1" latinLnBrk="0" hangingPunct="1">
+        <a:defRPr sz="1080" kern="1200">
           <a:solidFill>
             <a:schemeClr val="tx1"/>
           </a:solidFill>
@@ -2902,8 +2907,8 @@
           <a:cs typeface="+mn-cs"/>
         </a:defRPr>
       </a:lvl5pPr>
-      <a:lvl6pPr marL="2286000" algn="l" defTabSz="914400" rtl="0" eaLnBrk="1" latinLnBrk="0" hangingPunct="1">
-        <a:defRPr sz="1800" kern="1200">
+      <a:lvl6pPr marL="1371600" algn="l" defTabSz="548640" rtl="0" eaLnBrk="1" latinLnBrk="0" hangingPunct="1">
+        <a:defRPr sz="1080" kern="1200">
           <a:solidFill>
             <a:schemeClr val="tx1"/>
           </a:solidFill>
@@ -2912,8 +2917,8 @@
           <a:cs typeface="+mn-cs"/>
         </a:defRPr>
       </a:lvl6pPr>
-      <a:lvl7pPr marL="2743200" algn="l" defTabSz="914400" rtl="0" eaLnBrk="1" latinLnBrk="0" hangingPunct="1">
-        <a:defRPr sz="1800" kern="1200">
+      <a:lvl7pPr marL="1645920" algn="l" defTabSz="548640" rtl="0" eaLnBrk="1" latinLnBrk="0" hangingPunct="1">
+        <a:defRPr sz="1080" kern="1200">
           <a:solidFill>
             <a:schemeClr val="tx1"/>
           </a:solidFill>
@@ -2922,8 +2927,8 @@
           <a:cs typeface="+mn-cs"/>
         </a:defRPr>
       </a:lvl7pPr>
-      <a:lvl8pPr marL="3200400" algn="l" defTabSz="914400" rtl="0" eaLnBrk="1" latinLnBrk="0" hangingPunct="1">
-        <a:defRPr sz="1800" kern="1200">
+      <a:lvl8pPr marL="1920240" algn="l" defTabSz="548640" rtl="0" eaLnBrk="1" latinLnBrk="0" hangingPunct="1">
+        <a:defRPr sz="1080" kern="1200">
           <a:solidFill>
             <a:schemeClr val="tx1"/>
           </a:solidFill>
@@ -2932,8 +2937,8 @@
           <a:cs typeface="+mn-cs"/>
         </a:defRPr>
       </a:lvl8pPr>
-      <a:lvl9pPr marL="3657600" algn="l" defTabSz="914400" rtl="0" eaLnBrk="1" latinLnBrk="0" hangingPunct="1">
-        <a:defRPr sz="1800" kern="1200">
+      <a:lvl9pPr marL="2194560" algn="l" defTabSz="548640" rtl="0" eaLnBrk="1" latinLnBrk="0" hangingPunct="1">
+        <a:defRPr sz="1080" kern="1200">
           <a:solidFill>
             <a:schemeClr val="tx1"/>
           </a:solidFill>
@@ -2950,6 +2955,14 @@
 <file path=ppt/slides/slide1.xml><?xml version="1.0" encoding="utf-8"?>
 <p:sld xmlns:a="http://schemas.openxmlformats.org/drawingml/2006/main" xmlns:r="http://schemas.openxmlformats.org/officeDocument/2006/relationships" xmlns:p="http://schemas.openxmlformats.org/presentationml/2006/main">
   <p:cSld>
+    <p:bg>
+      <p:bgPr>
+        <a:solidFill>
+          <a:srgbClr val="EFF2F8"/>
+        </a:solidFill>
+        <a:effectLst/>
+      </p:bgPr>
+    </p:bg>
     <p:spTree>
       <p:nvGrpSpPr>
         <p:cNvPr id="1" name=""/>
@@ -2972,7 +2985,7 @@
           </p:cNvPicPr>
           <p:nvPr/>
         </p:nvPicPr>
-        <p:blipFill>
+        <p:blipFill rotWithShape="1">
           <a:blip r:embed="rId2">
             <a:duotone>
               <a:schemeClr val="accent5">
@@ -2987,15 +3000,13 @@
               </a:ext>
             </a:extLst>
           </a:blip>
-          <a:srcRect/>
-          <a:stretch>
-            <a:fillRect/>
-          </a:stretch>
+          <a:srcRect r="16970" b="17455"/>
+          <a:stretch/>
         </p:blipFill>
         <p:spPr bwMode="auto">
           <a:xfrm>
-            <a:off x="1150442" y="234086"/>
-            <a:ext cx="8637296" cy="6477972"/>
+            <a:off x="0" y="43279"/>
+            <a:ext cx="7315200" cy="5454299"/>
           </a:xfrm>
           <a:prstGeom prst="rect">
             <a:avLst/>
@@ -3028,10 +3039,90 @@
 </p:sld>
 </file>
 
+<file path=ppt/slides/slide2.xml><?xml version="1.0" encoding="utf-8"?>
+<p:sld xmlns:a="http://schemas.openxmlformats.org/drawingml/2006/main" xmlns:r="http://schemas.openxmlformats.org/officeDocument/2006/relationships" xmlns:p="http://schemas.openxmlformats.org/presentationml/2006/main">
+  <p:cSld>
+    <p:bg>
+      <p:bgPr>
+        <a:solidFill>
+          <a:srgbClr val="EFF2F8"/>
+        </a:solidFill>
+        <a:effectLst/>
+      </p:bgPr>
+    </p:bg>
+    <p:spTree>
+      <p:nvGrpSpPr>
+        <p:cNvPr id="1" name=""/>
+        <p:cNvGrpSpPr/>
+        <p:nvPr/>
+      </p:nvGrpSpPr>
+      <p:grpSpPr>
+        <a:xfrm>
+          <a:off x="0" y="0"/>
+          <a:ext cx="0" cy="0"/>
+          <a:chOff x="0" y="0"/>
+          <a:chExt cx="0" cy="0"/>
+        </a:xfrm>
+      </p:grpSpPr>
+      <p:pic>
+        <p:nvPicPr>
+          <p:cNvPr id="1026" name="Picture 2" descr="http://upload.wikimedia.org/wikipedia/commons/4/40/Berkeley_Campus_Sather_Tower.jpg"/>
+          <p:cNvPicPr>
+            <a:picLocks noChangeAspect="1" noChangeArrowheads="1"/>
+          </p:cNvPicPr>
+          <p:nvPr/>
+        </p:nvPicPr>
+        <p:blipFill rotWithShape="1">
+          <a:blip r:embed="rId2">
+            <a:extLst>
+              <a:ext uri="{28A0092B-C50C-407E-A947-70E740481C1C}">
+                <a14:useLocalDpi xmlns:a14="http://schemas.microsoft.com/office/drawing/2010/main" val="0"/>
+              </a:ext>
+            </a:extLst>
+          </a:blip>
+          <a:srcRect b="17455"/>
+          <a:stretch/>
+        </p:blipFill>
+        <p:spPr bwMode="auto">
+          <a:xfrm>
+            <a:off x="0" y="43279"/>
+            <a:ext cx="7315200" cy="4528721"/>
+          </a:xfrm>
+          <a:prstGeom prst="rect">
+            <a:avLst/>
+          </a:prstGeom>
+          <a:noFill/>
+          <a:ln w="76200">
+            <a:noFill/>
+          </a:ln>
+          <a:extLst>
+            <a:ext uri="{909E8E84-426E-40DD-AFC4-6F175D3DCCD1}">
+              <a14:hiddenFill xmlns:a14="http://schemas.microsoft.com/office/drawing/2010/main">
+                <a:solidFill>
+                  <a:srgbClr val="FFFFFF"/>
+                </a:solidFill>
+              </a14:hiddenFill>
+            </a:ext>
+          </a:extLst>
+        </p:spPr>
+      </p:pic>
+    </p:spTree>
+    <p:extLst>
+      <p:ext uri="{BB962C8B-B14F-4D97-AF65-F5344CB8AC3E}">
+        <p14:creationId xmlns:p14="http://schemas.microsoft.com/office/powerpoint/2010/main" val="963662672"/>
+      </p:ext>
+    </p:extLst>
+  </p:cSld>
+  <p:clrMapOvr>
+    <a:masterClrMapping/>
+  </p:clrMapOvr>
+</p:sld>
+</file>
+
 <file path=ppt/theme/theme1.xml><?xml version="1.0" encoding="utf-8"?>
 <a:theme xmlns:a="http://schemas.openxmlformats.org/drawingml/2006/main" name="Office Theme">
   <a:themeElements>
-    <a:clrScheme name="Office">
+    <a:clrScheme name="Office Theme">
       <a:dk1>
         <a:sysClr val="windowText" lastClr="000000"/>
       </a:dk1>
@@ -3069,7 +3160,7 @@
         <a:srgbClr val="954F72"/>
       </a:folHlink>
     </a:clrScheme>
-    <a:fontScheme name="Office">
+    <a:fontScheme name="Office Theme">
       <a:majorFont>
         <a:latin typeface="Calibri Light" panose="020F0302020204030204"/>
         <a:ea typeface=""/>
@@ -3141,7 +3232,7 @@
         <a:font script="Geor" typeface="Sylfaen"/>
       </a:minorFont>
     </a:fontScheme>
-    <a:fmtScheme name="Office">
+    <a:fmtScheme name="Office Theme">
       <a:fillStyleLst>
         <a:solidFill>
           <a:schemeClr val="phClr"/>
